--- a/消息队列/消息队列.pptx
+++ b/消息队列/消息队列.pptx
@@ -11,6 +11,7 @@
     <p:sldId id="258" r:id="rId5"/>
     <p:sldId id="261" r:id="rId6"/>
     <p:sldId id="259" r:id="rId7"/>
+    <p:sldId id="262" r:id="rId8"/>
   </p:sldIdLst>
   <p:sldSz cx="12192000" cy="6858000"/>
   <p:notesSz cx="6858000" cy="9144000"/>
@@ -248,7 +249,7 @@
           <a:p>
             <a:fld id="{A808777E-BC33-4481-B439-C7690D491E5A}" type="datetimeFigureOut">
               <a:rPr lang="zh-CN" altLang="en-US" smtClean="0"/>
-              <a:t>2018/2/26</a:t>
+              <a:t>2018/3/1</a:t>
             </a:fld>
             <a:endParaRPr lang="zh-CN" altLang="en-US"/>
           </a:p>
@@ -418,7 +419,7 @@
           <a:p>
             <a:fld id="{A808777E-BC33-4481-B439-C7690D491E5A}" type="datetimeFigureOut">
               <a:rPr lang="zh-CN" altLang="en-US" smtClean="0"/>
-              <a:t>2018/2/26</a:t>
+              <a:t>2018/3/1</a:t>
             </a:fld>
             <a:endParaRPr lang="zh-CN" altLang="en-US"/>
           </a:p>
@@ -598,7 +599,7 @@
           <a:p>
             <a:fld id="{A808777E-BC33-4481-B439-C7690D491E5A}" type="datetimeFigureOut">
               <a:rPr lang="zh-CN" altLang="en-US" smtClean="0"/>
-              <a:t>2018/2/26</a:t>
+              <a:t>2018/3/1</a:t>
             </a:fld>
             <a:endParaRPr lang="zh-CN" altLang="en-US"/>
           </a:p>
@@ -768,7 +769,7 @@
           <a:p>
             <a:fld id="{A808777E-BC33-4481-B439-C7690D491E5A}" type="datetimeFigureOut">
               <a:rPr lang="zh-CN" altLang="en-US" smtClean="0"/>
-              <a:t>2018/2/26</a:t>
+              <a:t>2018/3/1</a:t>
             </a:fld>
             <a:endParaRPr lang="zh-CN" altLang="en-US"/>
           </a:p>
@@ -1014,7 +1015,7 @@
           <a:p>
             <a:fld id="{A808777E-BC33-4481-B439-C7690D491E5A}" type="datetimeFigureOut">
               <a:rPr lang="zh-CN" altLang="en-US" smtClean="0"/>
-              <a:t>2018/2/26</a:t>
+              <a:t>2018/3/1</a:t>
             </a:fld>
             <a:endParaRPr lang="zh-CN" altLang="en-US"/>
           </a:p>
@@ -1246,7 +1247,7 @@
           <a:p>
             <a:fld id="{A808777E-BC33-4481-B439-C7690D491E5A}" type="datetimeFigureOut">
               <a:rPr lang="zh-CN" altLang="en-US" smtClean="0"/>
-              <a:t>2018/2/26</a:t>
+              <a:t>2018/3/1</a:t>
             </a:fld>
             <a:endParaRPr lang="zh-CN" altLang="en-US"/>
           </a:p>
@@ -1613,7 +1614,7 @@
           <a:p>
             <a:fld id="{A808777E-BC33-4481-B439-C7690D491E5A}" type="datetimeFigureOut">
               <a:rPr lang="zh-CN" altLang="en-US" smtClean="0"/>
-              <a:t>2018/2/26</a:t>
+              <a:t>2018/3/1</a:t>
             </a:fld>
             <a:endParaRPr lang="zh-CN" altLang="en-US"/>
           </a:p>
@@ -1731,7 +1732,7 @@
           <a:p>
             <a:fld id="{A808777E-BC33-4481-B439-C7690D491E5A}" type="datetimeFigureOut">
               <a:rPr lang="zh-CN" altLang="en-US" smtClean="0"/>
-              <a:t>2018/2/26</a:t>
+              <a:t>2018/3/1</a:t>
             </a:fld>
             <a:endParaRPr lang="zh-CN" altLang="en-US"/>
           </a:p>
@@ -1826,7 +1827,7 @@
           <a:p>
             <a:fld id="{A808777E-BC33-4481-B439-C7690D491E5A}" type="datetimeFigureOut">
               <a:rPr lang="zh-CN" altLang="en-US" smtClean="0"/>
-              <a:t>2018/2/26</a:t>
+              <a:t>2018/3/1</a:t>
             </a:fld>
             <a:endParaRPr lang="zh-CN" altLang="en-US"/>
           </a:p>
@@ -2103,7 +2104,7 @@
           <a:p>
             <a:fld id="{A808777E-BC33-4481-B439-C7690D491E5A}" type="datetimeFigureOut">
               <a:rPr lang="zh-CN" altLang="en-US" smtClean="0"/>
-              <a:t>2018/2/26</a:t>
+              <a:t>2018/3/1</a:t>
             </a:fld>
             <a:endParaRPr lang="zh-CN" altLang="en-US"/>
           </a:p>
@@ -2356,7 +2357,7 @@
           <a:p>
             <a:fld id="{A808777E-BC33-4481-B439-C7690D491E5A}" type="datetimeFigureOut">
               <a:rPr lang="zh-CN" altLang="en-US" smtClean="0"/>
-              <a:t>2018/2/26</a:t>
+              <a:t>2018/3/1</a:t>
             </a:fld>
             <a:endParaRPr lang="zh-CN" altLang="en-US"/>
           </a:p>
@@ -2569,7 +2570,7 @@
           <a:p>
             <a:fld id="{A808777E-BC33-4481-B439-C7690D491E5A}" type="datetimeFigureOut">
               <a:rPr lang="zh-CN" altLang="en-US" smtClean="0"/>
-              <a:t>2018/2/26</a:t>
+              <a:t>2018/3/1</a:t>
             </a:fld>
             <a:endParaRPr lang="zh-CN" altLang="en-US"/>
           </a:p>
@@ -3026,6 +3027,13 @@
   <p:clrMapOvr>
     <a:masterClrMapping/>
   </p:clrMapOvr>
+  <p:timing>
+    <p:tnLst>
+      <p:par>
+        <p:cTn id="1" dur="indefinite" restart="never" nodeType="tmRoot"/>
+      </p:par>
+    </p:tnLst>
+  </p:timing>
 </p:sld>
 </file>
 
@@ -3105,6 +3113,13 @@
   <p:clrMapOvr>
     <a:masterClrMapping/>
   </p:clrMapOvr>
+  <p:timing>
+    <p:tnLst>
+      <p:par>
+        <p:cTn id="1" dur="indefinite" restart="never" nodeType="tmRoot"/>
+      </p:par>
+    </p:tnLst>
+  </p:timing>
 </p:sld>
 </file>
 
@@ -3163,6 +3178,46 @@
           <a:bodyPr/>
           <a:lstStyle/>
           <a:p>
+            <a:r>
+              <a:rPr lang="zh-CN" altLang="en-US" dirty="0" smtClean="0"/>
+              <a:t>由于</a:t>
+            </a:r>
+            <a:r>
+              <a:rPr lang="zh-CN" altLang="en-US" dirty="0"/>
+              <a:t>在高并发环境下，由于来不及同步处理，请求往往会发生堵塞，比如说，大量的</a:t>
+            </a:r>
+            <a:r>
+              <a:rPr lang="en-US" altLang="zh-CN" dirty="0"/>
+              <a:t>insert</a:t>
+            </a:r>
+            <a:r>
+              <a:rPr lang="zh-CN" altLang="en-US" dirty="0"/>
+              <a:t>，</a:t>
+            </a:r>
+            <a:r>
+              <a:rPr lang="en-US" altLang="zh-CN" dirty="0"/>
+              <a:t>update</a:t>
+            </a:r>
+            <a:r>
+              <a:rPr lang="zh-CN" altLang="en-US" dirty="0"/>
+              <a:t>之类的请求同时到达</a:t>
+            </a:r>
+            <a:r>
+              <a:rPr lang="en-US" altLang="zh-CN" dirty="0"/>
+              <a:t>MySQL</a:t>
+            </a:r>
+            <a:r>
+              <a:rPr lang="zh-CN" altLang="en-US" dirty="0"/>
+              <a:t>，直接导致无数的行锁表锁，甚至最后请求会堆积过多，从而触发</a:t>
+            </a:r>
+            <a:r>
+              <a:rPr lang="en-US" altLang="zh-CN" dirty="0"/>
+              <a:t>too many connections</a:t>
+            </a:r>
+            <a:r>
+              <a:rPr lang="zh-CN" altLang="en-US" dirty="0"/>
+              <a:t>错误。通过使用消息队列，我们可以异步处理请求，从而缓解系统的压力。</a:t>
+            </a:r>
             <a:endParaRPr lang="zh-CN" altLang="en-US" dirty="0"/>
           </a:p>
         </p:txBody>
@@ -3177,6 +3232,13 @@
   <p:clrMapOvr>
     <a:masterClrMapping/>
   </p:clrMapOvr>
+  <p:timing>
+    <p:tnLst>
+      <p:par>
+        <p:cTn id="1" dur="indefinite" restart="never" nodeType="tmRoot"/>
+      </p:par>
+    </p:tnLst>
+  </p:timing>
 </p:sld>
 </file>
 
@@ -3292,6 +3354,13 @@
   <p:clrMapOvr>
     <a:masterClrMapping/>
   </p:clrMapOvr>
+  <p:timing>
+    <p:tnLst>
+      <p:par>
+        <p:cTn id="1" dur="indefinite" restart="never" nodeType="tmRoot"/>
+      </p:par>
+    </p:tnLst>
+  </p:timing>
 </p:sld>
 </file>
 
@@ -3365,7 +3434,6 @@
               <a:rPr lang="zh-CN" altLang="en-US" dirty="0"/>
               <a:t>并行方式：将注册信息写入数据库成功后，发送注册邮件的同时，发送注册短信。</a:t>
             </a:r>
-            <a:endParaRPr lang="zh-CN" altLang="en-US" dirty="0"/>
           </a:p>
         </p:txBody>
       </p:sp>
@@ -3379,6 +3447,13 @@
   <p:clrMapOvr>
     <a:masterClrMapping/>
   </p:clrMapOvr>
+  <p:timing>
+    <p:tnLst>
+      <p:par>
+        <p:cTn id="1" dur="indefinite" restart="never" nodeType="tmRoot"/>
+      </p:par>
+    </p:tnLst>
+  </p:timing>
 </p:sld>
 </file>
 
@@ -3432,12 +3507,305 @@
             <p:ph idx="1"/>
           </p:nvPr>
         </p:nvSpPr>
-        <p:spPr/>
-        <p:txBody>
-          <a:bodyPr/>
-          <a:lstStyle/>
-          <a:p>
-            <a:endParaRPr lang="zh-CN" altLang="en-US" dirty="0"/>
+        <p:spPr>
+          <a:xfrm>
+            <a:off x="838200" y="1825624"/>
+            <a:ext cx="10515600" cy="5153399"/>
+          </a:xfrm>
+        </p:spPr>
+        <p:txBody>
+          <a:bodyPr>
+            <a:normAutofit/>
+          </a:bodyPr>
+          <a:lstStyle/>
+          <a:p>
+            <a:r>
+              <a:rPr lang="zh-CN" altLang="en-US" sz="2000" dirty="0" smtClean="0"/>
+              <a:t>常见的</a:t>
+            </a:r>
+            <a:r>
+              <a:rPr lang="en-US" altLang="zh-CN" sz="2000" dirty="0" smtClean="0"/>
+              <a:t>MQ</a:t>
+            </a:r>
+            <a:r>
+              <a:rPr lang="zh-CN" altLang="en-US" sz="2000" dirty="0" smtClean="0"/>
+              <a:t>有</a:t>
+            </a:r>
+            <a:r>
+              <a:rPr lang="en-US" altLang="zh-CN" sz="2000" dirty="0" err="1"/>
+              <a:t>ActiveMQ</a:t>
+            </a:r>
+            <a:r>
+              <a:rPr lang="zh-CN" altLang="en-US" sz="2000" dirty="0"/>
+              <a:t>、</a:t>
+            </a:r>
+            <a:r>
+              <a:rPr lang="en-US" altLang="zh-CN" sz="2000" dirty="0" err="1"/>
+              <a:t>RabbitMQ</a:t>
+            </a:r>
+            <a:r>
+              <a:rPr lang="zh-CN" altLang="en-US" sz="2000" dirty="0"/>
+              <a:t>、</a:t>
+            </a:r>
+            <a:r>
+              <a:rPr lang="en-US" altLang="zh-CN" sz="2000" dirty="0" err="1"/>
+              <a:t>ZeroMQ</a:t>
+            </a:r>
+            <a:r>
+              <a:rPr lang="zh-CN" altLang="en-US" sz="2000" dirty="0"/>
+              <a:t>、</a:t>
+            </a:r>
+            <a:r>
+              <a:rPr lang="en-US" altLang="zh-CN" sz="2000" dirty="0"/>
+              <a:t>Kafka</a:t>
+            </a:r>
+            <a:r>
+              <a:rPr lang="zh-CN" altLang="en-US" sz="2000" dirty="0"/>
+              <a:t>、</a:t>
+            </a:r>
+            <a:r>
+              <a:rPr lang="en-US" altLang="zh-CN" sz="2000" dirty="0" err="1"/>
+              <a:t>MetaMQ</a:t>
+            </a:r>
+            <a:r>
+              <a:rPr lang="zh-CN" altLang="en-US" sz="2000" dirty="0"/>
+              <a:t>、</a:t>
+            </a:r>
+            <a:r>
+              <a:rPr lang="en-US" altLang="zh-CN" sz="2000" dirty="0" err="1" smtClean="0"/>
+              <a:t>RocketMQ</a:t>
+            </a:r>
+            <a:endParaRPr lang="en-US" altLang="zh-CN" sz="2000" dirty="0" smtClean="0"/>
+          </a:p>
+          <a:p>
+            <a:r>
+              <a:rPr lang="en-US" altLang="zh-CN" sz="2000" dirty="0" err="1" smtClean="0"/>
+              <a:t>ZeroMQ</a:t>
+            </a:r>
+            <a:r>
+              <a:rPr lang="zh-CN" altLang="en-US" sz="2000" dirty="0" smtClean="0"/>
+              <a:t>：基于</a:t>
+            </a:r>
+            <a:r>
+              <a:rPr lang="en-US" altLang="zh-CN" sz="2000" dirty="0" smtClean="0"/>
+              <a:t>C</a:t>
+            </a:r>
+            <a:r>
+              <a:rPr lang="zh-CN" altLang="en-US" sz="2000" dirty="0" smtClean="0"/>
+              <a:t>语言开发的，可以在任何平台任何代码连接，高异步</a:t>
+            </a:r>
+            <a:r>
+              <a:rPr lang="en-US" altLang="zh-CN" sz="2000" dirty="0" smtClean="0"/>
+              <a:t>I/O</a:t>
+            </a:r>
+            <a:r>
+              <a:rPr lang="zh-CN" altLang="en-US" sz="2000" dirty="0" smtClean="0"/>
+              <a:t>引擎，不支持消息持久化，并不是安全可靠的消息传输。</a:t>
+            </a:r>
+            <a:endParaRPr lang="en-US" altLang="zh-CN" sz="2000" dirty="0" smtClean="0"/>
+          </a:p>
+          <a:p>
+            <a:r>
+              <a:rPr lang="en-US" altLang="zh-CN" sz="2000" dirty="0" err="1" smtClean="0"/>
+              <a:t>RabbitMQ</a:t>
+            </a:r>
+            <a:r>
+              <a:rPr lang="zh-CN" altLang="en-US" sz="2000" dirty="0"/>
+              <a:t>：</a:t>
+            </a:r>
+            <a:r>
+              <a:rPr lang="zh-CN" altLang="en-US" sz="2000" dirty="0" smtClean="0"/>
+              <a:t>基于</a:t>
+            </a:r>
+            <a:r>
+              <a:rPr lang="en-US" altLang="zh-CN" sz="2000" dirty="0" err="1"/>
+              <a:t>Erlang</a:t>
+            </a:r>
+            <a:r>
+              <a:rPr lang="zh-CN" altLang="en-US" sz="2000" dirty="0"/>
+              <a:t>语言</a:t>
+            </a:r>
+            <a:r>
+              <a:rPr lang="zh-CN" altLang="en-US" sz="2000" dirty="0" smtClean="0"/>
+              <a:t>编写，扩张性比较好，还可以通过</a:t>
+            </a:r>
+            <a:r>
+              <a:rPr lang="zh-CN" altLang="en-US" sz="2000" dirty="0"/>
+              <a:t>使用</a:t>
+            </a:r>
+            <a:r>
+              <a:rPr lang="en-US" altLang="zh-CN" sz="2000" dirty="0"/>
+              <a:t>HTTP</a:t>
+            </a:r>
+            <a:r>
+              <a:rPr lang="zh-CN" altLang="en-US" sz="2000" dirty="0"/>
+              <a:t>这种非消息的传输</a:t>
+            </a:r>
+            <a:r>
+              <a:rPr lang="zh-CN" altLang="en-US" sz="2000" dirty="0" smtClean="0"/>
+              <a:t>协议。</a:t>
+            </a:r>
+            <a:endParaRPr lang="en-US" altLang="zh-CN" sz="2000" dirty="0" smtClean="0"/>
+          </a:p>
+          <a:p>
+            <a:r>
+              <a:rPr lang="en-US" altLang="zh-CN" sz="2000" dirty="0" err="1" smtClean="0"/>
+              <a:t>ActiveMQ</a:t>
+            </a:r>
+            <a:r>
+              <a:rPr lang="en-US" altLang="zh-CN" sz="2000" dirty="0" smtClean="0"/>
+              <a:t>:</a:t>
+            </a:r>
+            <a:r>
+              <a:rPr lang="zh-CN" altLang="en-US" sz="2000" dirty="0" smtClean="0"/>
+              <a:t>介于</a:t>
+            </a:r>
+            <a:r>
+              <a:rPr lang="en-US" altLang="zh-CN" sz="2000" dirty="0" err="1"/>
+              <a:t>ZeroMQ</a:t>
+            </a:r>
+            <a:r>
+              <a:rPr lang="zh-CN" altLang="en-US" sz="2000" dirty="0"/>
+              <a:t>和</a:t>
+            </a:r>
+            <a:r>
+              <a:rPr lang="en-US" altLang="zh-CN" sz="2000" dirty="0" err="1"/>
+              <a:t>RabbitMQ</a:t>
+            </a:r>
+            <a:r>
+              <a:rPr lang="zh-CN" altLang="en-US" sz="2000" dirty="0"/>
+              <a:t>之间</a:t>
+            </a:r>
+            <a:r>
+              <a:rPr lang="zh-CN" altLang="en-US" sz="2000" dirty="0" smtClean="0"/>
+              <a:t>。它</a:t>
+            </a:r>
+            <a:r>
+              <a:rPr lang="zh-CN" altLang="en-US" sz="2000" dirty="0"/>
+              <a:t>易于实现高级场景，而且只需付出</a:t>
+            </a:r>
+            <a:r>
+              <a:rPr lang="zh-CN" altLang="en-US" sz="2000" dirty="0" smtClean="0"/>
+              <a:t>低消耗</a:t>
+            </a:r>
+            <a:r>
+              <a:rPr lang="en-US" altLang="zh-CN" sz="2000" dirty="0" smtClean="0"/>
+              <a:t>,</a:t>
+            </a:r>
+            <a:r>
+              <a:rPr lang="zh-CN" altLang="en-US" sz="2000" dirty="0" smtClean="0"/>
+              <a:t>支持多种协议，支持持久化，但是不够轻巧</a:t>
+            </a:r>
+            <a:endParaRPr lang="en-US" altLang="zh-CN" sz="2000" dirty="0" smtClean="0"/>
+          </a:p>
+          <a:p>
+            <a:r>
+              <a:rPr lang="en-US" altLang="zh-CN" sz="2000" dirty="0" smtClean="0"/>
+              <a:t>Apollo</a:t>
+            </a:r>
+            <a:r>
+              <a:rPr lang="zh-CN" altLang="en-US" sz="2000" dirty="0" smtClean="0"/>
+              <a:t>：为</a:t>
+            </a:r>
+            <a:r>
+              <a:rPr lang="zh-CN" altLang="en-US" sz="2000" dirty="0"/>
+              <a:t>最快、最强健的</a:t>
+            </a:r>
+            <a:r>
+              <a:rPr lang="en-US" altLang="zh-CN" sz="2000" dirty="0"/>
+              <a:t>STOMP</a:t>
+            </a:r>
+            <a:r>
+              <a:rPr lang="zh-CN" altLang="en-US" sz="2000" dirty="0" smtClean="0"/>
+              <a:t>服务器，支持多种协议、</a:t>
+            </a:r>
+            <a:r>
+              <a:rPr lang="zh-CN" altLang="en-US" sz="2000" dirty="0"/>
+              <a:t>支持对消息的多种处理，支持安全性处理，支持</a:t>
+            </a:r>
+            <a:r>
+              <a:rPr lang="en-US" altLang="zh-CN" sz="2000" dirty="0"/>
+              <a:t>REST</a:t>
+            </a:r>
+            <a:r>
+              <a:rPr lang="zh-CN" altLang="en-US" sz="2000" dirty="0"/>
+              <a:t>管理</a:t>
+            </a:r>
+            <a:r>
+              <a:rPr lang="en-US" altLang="zh-CN" sz="2000" dirty="0" smtClean="0"/>
+              <a:t>API</a:t>
+            </a:r>
+            <a:r>
+              <a:rPr lang="zh-CN" altLang="en-US" sz="2000" dirty="0" smtClean="0"/>
+              <a:t>，目前使用不广泛</a:t>
+            </a:r>
+            <a:endParaRPr lang="en-US" altLang="zh-CN" sz="2000" dirty="0" smtClean="0"/>
+          </a:p>
+          <a:p>
+            <a:r>
+              <a:rPr lang="en-US" altLang="zh-CN" sz="2000" dirty="0" smtClean="0"/>
+              <a:t>Kafka</a:t>
+            </a:r>
+            <a:r>
+              <a:rPr lang="zh-CN" altLang="en-US" sz="2000" dirty="0" smtClean="0"/>
+              <a:t>：</a:t>
+            </a:r>
+            <a:r>
+              <a:rPr lang="zh-CN" altLang="en-US" sz="2000" dirty="0"/>
+              <a:t>开发并开源的一个分布式流</a:t>
+            </a:r>
+            <a:r>
+              <a:rPr lang="zh-CN" altLang="en-US" sz="2000" dirty="0" smtClean="0"/>
+              <a:t>平台，</a:t>
+            </a:r>
+            <a:r>
+              <a:rPr lang="zh-CN" altLang="en-US" sz="2000" dirty="0"/>
+              <a:t>以</a:t>
+            </a:r>
+            <a:r>
+              <a:rPr lang="en-US" altLang="zh-CN" sz="2000" dirty="0"/>
+              <a:t>Pull</a:t>
+            </a:r>
+            <a:r>
+              <a:rPr lang="zh-CN" altLang="en-US" sz="2000" dirty="0"/>
+              <a:t>的形式消费</a:t>
+            </a:r>
+            <a:r>
+              <a:rPr lang="zh-CN" altLang="en-US" sz="2000" dirty="0" smtClean="0"/>
+              <a:t>消息。快速持久化，高吞吐，自动实现复杂均衡、自动支持分布式。</a:t>
+            </a:r>
+            <a:r>
+              <a:rPr lang="zh-CN" altLang="en-US" sz="2000" dirty="0"/>
+              <a:t>可以达到</a:t>
+            </a:r>
+            <a:r>
+              <a:rPr lang="en-US" altLang="zh-CN" sz="2000" dirty="0"/>
+              <a:t>10W/s</a:t>
+            </a:r>
+            <a:r>
+              <a:rPr lang="zh-CN" altLang="en-US" sz="2000" dirty="0"/>
+              <a:t>的吞吐</a:t>
+            </a:r>
+            <a:r>
+              <a:rPr lang="zh-CN" altLang="en-US" sz="2000" dirty="0" smtClean="0"/>
+              <a:t>速率</a:t>
+            </a:r>
+            <a:endParaRPr lang="en-US" altLang="zh-CN" sz="2000" dirty="0" smtClean="0"/>
+          </a:p>
+          <a:p>
+            <a:r>
+              <a:rPr lang="en-US" altLang="zh-CN" sz="2000" dirty="0" err="1" smtClean="0"/>
+              <a:t>RocketMQ</a:t>
+            </a:r>
+            <a:r>
+              <a:rPr lang="zh-CN" altLang="en-US" sz="2000" dirty="0" smtClean="0"/>
+              <a:t>：</a:t>
+            </a:r>
+            <a:r>
+              <a:rPr lang="zh-CN" altLang="en-US" sz="2000" dirty="0"/>
+              <a:t>具有高吞吐量、高可用性、适合大规模分布式系统应用的特点</a:t>
+            </a:r>
+            <a:endParaRPr lang="zh-CN" altLang="en-US" sz="1200" dirty="0"/>
           </a:p>
         </p:txBody>
       </p:sp>
@@ -3451,6 +3819,125 @@
   <p:clrMapOvr>
     <a:masterClrMapping/>
   </p:clrMapOvr>
+  <p:timing>
+    <p:tnLst>
+      <p:par>
+        <p:cTn id="1" dur="indefinite" restart="never" nodeType="tmRoot"/>
+      </p:par>
+    </p:tnLst>
+  </p:timing>
+</p:sld>
+</file>
+
+<file path=ppt/slides/slide7.xml><?xml version="1.0" encoding="utf-8"?>
+<p:sld xmlns:a="http://schemas.openxmlformats.org/drawingml/2006/main" xmlns:r="http://schemas.openxmlformats.org/officeDocument/2006/relationships" xmlns:p="http://schemas.openxmlformats.org/presentationml/2006/main">
+  <p:cSld>
+    <p:spTree>
+      <p:nvGrpSpPr>
+        <p:cNvPr id="1" name=""/>
+        <p:cNvGrpSpPr/>
+        <p:nvPr/>
+      </p:nvGrpSpPr>
+      <p:grpSpPr>
+        <a:xfrm>
+          <a:off x="0" y="0"/>
+          <a:ext cx="0" cy="0"/>
+          <a:chOff x="0" y="0"/>
+          <a:chExt cx="0" cy="0"/>
+        </a:xfrm>
+      </p:grpSpPr>
+      <p:sp>
+        <p:nvSpPr>
+          <p:cNvPr id="2" name="标题 1"/>
+          <p:cNvSpPr>
+            <a:spLocks noGrp="1"/>
+          </p:cNvSpPr>
+          <p:nvPr>
+            <p:ph type="title"/>
+          </p:nvPr>
+        </p:nvSpPr>
+        <p:spPr/>
+        <p:txBody>
+          <a:bodyPr/>
+          <a:lstStyle/>
+          <a:p>
+            <a:r>
+              <a:rPr lang="zh-CN" altLang="en-US" dirty="0" smtClean="0"/>
+              <a:t>两种模式定义、区别</a:t>
+            </a:r>
+            <a:endParaRPr lang="zh-CN" altLang="en-US" dirty="0"/>
+          </a:p>
+        </p:txBody>
+      </p:sp>
+      <p:sp>
+        <p:nvSpPr>
+          <p:cNvPr id="3" name="内容占位符 2"/>
+          <p:cNvSpPr>
+            <a:spLocks noGrp="1"/>
+          </p:cNvSpPr>
+          <p:nvPr>
+            <p:ph idx="1"/>
+          </p:nvPr>
+        </p:nvSpPr>
+        <p:spPr/>
+        <p:txBody>
+          <a:bodyPr/>
+          <a:lstStyle/>
+          <a:p>
+            <a:r>
+              <a:rPr lang="zh-CN" altLang="en-US" dirty="0" smtClean="0"/>
+              <a:t>点对点：不可重复</a:t>
+            </a:r>
+            <a:endParaRPr lang="en-US" altLang="zh-CN" dirty="0" smtClean="0"/>
+          </a:p>
+          <a:p>
+            <a:r>
+              <a:rPr lang="zh-CN" altLang="en-US" dirty="0" smtClean="0"/>
+              <a:t>发布和订阅：可重复</a:t>
+            </a:r>
+            <a:endParaRPr lang="en-US" altLang="zh-CN" dirty="0" smtClean="0"/>
+          </a:p>
+          <a:p>
+            <a:r>
+              <a:rPr lang="zh-CN" altLang="en-US" dirty="0"/>
+              <a:t>点对点</a:t>
+            </a:r>
+            <a:r>
+              <a:rPr lang="zh-CN" altLang="en-US" dirty="0" smtClean="0"/>
+              <a:t>模式、一个消息只能被一个消费者接受</a:t>
+            </a:r>
+            <a:endParaRPr lang="en-US" altLang="zh-CN" dirty="0" smtClean="0"/>
+          </a:p>
+          <a:p>
+            <a:r>
+              <a:rPr lang="zh-CN" altLang="en-US" dirty="0"/>
+              <a:t>发布</a:t>
+            </a:r>
+            <a:r>
+              <a:rPr lang="zh-CN" altLang="en-US" dirty="0" smtClean="0"/>
+              <a:t>订阅模式、一个消息可以有多个订阅者</a:t>
+            </a:r>
+            <a:endParaRPr lang="en-US" altLang="zh-CN" dirty="0" smtClean="0"/>
+          </a:p>
+        </p:txBody>
+      </p:sp>
+    </p:spTree>
+    <p:extLst>
+      <p:ext uri="{BB962C8B-B14F-4D97-AF65-F5344CB8AC3E}">
+        <p14:creationId xmlns:p14="http://schemas.microsoft.com/office/powerpoint/2010/main" val="3255707614"/>
+      </p:ext>
+    </p:extLst>
+  </p:cSld>
+  <p:clrMapOvr>
+    <a:masterClrMapping/>
+  </p:clrMapOvr>
+  <p:timing>
+    <p:tnLst>
+      <p:par>
+        <p:cTn id="1" dur="indefinite" restart="never" nodeType="tmRoot"/>
+      </p:par>
+    </p:tnLst>
+  </p:timing>
 </p:sld>
 </file>
 
